--- a/testing-c#.pptx
+++ b/testing-c#.pptx
@@ -7210,7 +7210,7 @@
           <a:p>
             <a:fld id="{16E5F246-0B7D-44DF-8C1B-EDFCA5DA626A}" type="datetimeFigureOut">
               <a:rPr lang="ru-RU" smtClean="0"/>
-              <a:t>26.06.2018</a:t>
+              <a:t>14.05.2020</a:t>
             </a:fld>
             <a:endParaRPr lang="ru-RU"/>
           </a:p>
@@ -8646,36 +8646,12 @@
               <a:rPr lang="ru-RU" baseline="0" dirty="0" smtClean="0"/>
               <a:t>Здесь не нужно останавливаться подробнее при первом чтении. </a:t>
             </a:r>
-            <a:r>
-              <a:rPr lang="ru-RU" baseline="0" dirty="0" smtClean="0"/>
-              <a:t/>
-            </a:r>
             <a:br>
               <a:rPr lang="ru-RU" baseline="0" dirty="0" smtClean="0"/>
             </a:br>
             <a:r>
               <a:rPr lang="ru-RU" baseline="0" dirty="0" smtClean="0"/>
-              <a:t>Но </a:t>
-            </a:r>
-            <a:r>
-              <a:rPr lang="ru-RU" baseline="0" dirty="0" smtClean="0"/>
-              <a:t>здесь </a:t>
-            </a:r>
-            <a:r>
-              <a:rPr lang="ru-RU" baseline="0" dirty="0" smtClean="0"/>
-              <a:t>это есть и </a:t>
-            </a:r>
-            <a:r>
-              <a:rPr lang="ru-RU" baseline="0" dirty="0" smtClean="0"/>
-              <a:t>будет </a:t>
-            </a:r>
-            <a:r>
-              <a:rPr lang="ru-RU" baseline="0" dirty="0" smtClean="0"/>
-              <a:t>нужно или интересно, </a:t>
-            </a:r>
-            <a:r>
-              <a:rPr lang="ru-RU" baseline="0" dirty="0" smtClean="0"/>
-              <a:t>можно почитать</a:t>
+              <a:t>Но здесь это есть и будет нужно или интересно, можно почитать</a:t>
             </a:r>
             <a:endParaRPr lang="ru-RU" dirty="0" smtClean="0"/>
           </a:p>
@@ -9654,11 +9630,7 @@
             </a:r>
             <a:r>
               <a:rPr lang="ru-RU" baseline="0" dirty="0" smtClean="0"/>
-              <a:t>тестам</a:t>
-            </a:r>
-            <a:r>
-              <a:rPr lang="ru-RU" baseline="0" dirty="0" smtClean="0"/>
-              <a:t>.</a:t>
+              <a:t>тестам.</a:t>
             </a:r>
             <a:endParaRPr lang="en-US" baseline="0" dirty="0" smtClean="0"/>
           </a:p>
@@ -9696,11 +9668,7 @@
             </a:r>
             <a:r>
               <a:rPr lang="ru-RU" baseline="0" dirty="0" smtClean="0"/>
-              <a:t> не доверяешь тесту, то всё закончится тем, что ты сам будешь сидеть и проверять вручную. Зачем же тогда тесты</a:t>
-            </a:r>
-            <a:r>
-              <a:rPr lang="ru-RU" baseline="0" dirty="0" smtClean="0"/>
-              <a:t>?</a:t>
+              <a:t> не доверяешь тесту, то всё закончится тем, что ты сам будешь сидеть и проверять вручную. Зачем же тогда тесты?</a:t>
             </a:r>
             <a:endParaRPr lang="en-US" baseline="0" dirty="0" smtClean="0"/>
           </a:p>
@@ -10313,11 +10281,7 @@
             </a:r>
             <a:r>
               <a:rPr lang="ru-RU" baseline="0" dirty="0" smtClean="0"/>
-              <a:t>, что </a:t>
-            </a:r>
-            <a:r>
-              <a:rPr lang="ru-RU" baseline="0" dirty="0" smtClean="0"/>
-              <a:t>делать. Дать время попробовать</a:t>
+              <a:t>, что делать. Дать время попробовать</a:t>
             </a:r>
             <a:endParaRPr lang="ru-RU" dirty="0" smtClean="0"/>
           </a:p>
@@ -16883,15 +16847,7 @@
           <a:p>
             <a:r>
               <a:rPr lang="ru-RU" baseline="0" dirty="0" smtClean="0"/>
-              <a:t>К тому же </a:t>
-            </a:r>
-            <a:r>
-              <a:rPr lang="ru-RU" baseline="0" dirty="0" smtClean="0"/>
-              <a:t>эта </a:t>
-            </a:r>
-            <a:r>
-              <a:rPr lang="ru-RU" baseline="0" dirty="0" smtClean="0"/>
-              <a:t>документация сама следит за тем, чтобы соответствовать коду.</a:t>
+              <a:t>К тому же эта документация сама следит за тем, чтобы соответствовать коду.</a:t>
             </a:r>
           </a:p>
           <a:p>
@@ -25064,19 +25020,7 @@
               <a:rPr lang="en-US" dirty="0" smtClean="0">
                 <a:latin typeface="Consolas" panose="020B0609020204030204" pitchFamily="49" charset="0"/>
               </a:rPr>
-              <a:t> </a:t>
-            </a:r>
-            <a:r>
-              <a:rPr lang="en-US" dirty="0" smtClean="0">
-                <a:latin typeface="Consolas" panose="020B0609020204030204" pitchFamily="49" charset="0"/>
-              </a:rPr>
-              <a:t>[] {1,2,3</a:t>
-            </a:r>
-            <a:r>
-              <a:rPr lang="en-US" dirty="0" smtClean="0">
-                <a:latin typeface="Consolas" panose="020B0609020204030204" pitchFamily="49" charset="0"/>
-              </a:rPr>
-              <a:t>},</a:t>
+              <a:t> [] {1,2,3},</a:t>
             </a:r>
             <a:r>
               <a:rPr lang="ru-RU" dirty="0" smtClean="0">
@@ -25099,13 +25043,7 @@
               <a:rPr lang="en-US" dirty="0" smtClean="0">
                 <a:latin typeface="Consolas" panose="020B0609020204030204" pitchFamily="49" charset="0"/>
               </a:rPr>
-              <a:t>options </a:t>
-            </a:r>
-            <a:r>
-              <a:rPr lang="en-US" dirty="0" smtClean="0">
-                <a:latin typeface="Consolas" panose="020B0609020204030204" pitchFamily="49" charset="0"/>
-              </a:rPr>
-              <a:t>=&gt; </a:t>
+              <a:t>options =&gt; </a:t>
             </a:r>
             <a:r>
               <a:rPr lang="en-US" dirty="0" err="1" smtClean="0">
@@ -29426,7 +29364,7 @@
         <p:spPr>
           <a:xfrm>
             <a:off x="1331055" y="5589240"/>
-            <a:ext cx="9445465" cy="446276"/>
+            <a:ext cx="9445465" cy="461665"/>
           </a:xfrm>
           <a:prstGeom prst="rect">
             <a:avLst/>
@@ -29439,10 +29377,10 @@
           <a:lstStyle/>
           <a:p>
             <a:r>
-              <a:rPr lang="en-US" sz="2300" dirty="0">
+              <a:rPr lang="en-US" sz="2400">
                 <a:hlinkClick r:id="rId3"/>
               </a:rPr>
-              <a:t>http://java.dzone.com/articles/7-popular-unit-test-naming</a:t>
+              <a:t>https://dzone.com/articles/7-popular-unit-test-naming</a:t>
             </a:r>
             <a:endParaRPr lang="en-US" sz="2300" dirty="0"/>
           </a:p>
